--- a/ppt 16-9/0881.何时相见.pptx
+++ b/ppt 16-9/0881.何时相见.pptx
@@ -5,7 +5,7 @@
     <p:sldMasterId id="2147483648" r:id="rId1"/>
   </p:sldMasterIdLst>
   <p:sldIdLst>
-    <p:sldId id="2195" r:id="rId2"/>
+    <p:sldId id="2196" r:id="rId2"/>
   </p:sldIdLst>
   <p:sldSz cx="12192000" cy="6858000"/>
   <p:notesSz cx="6858000" cy="9144000"/>
@@ -129,7 +129,7 @@
           <p:cNvPr id="2" name="标题 1">
             <a:extLst>
               <a:ext uri="{FF2B5EF4-FFF2-40B4-BE49-F238E27FC236}">
-                <a16:creationId xmlns:a16="http://schemas.microsoft.com/office/drawing/2014/main" id="{E1F876CB-DAF9-18D7-F904-423D06EA50B7}"/>
+                <a16:creationId xmlns:a16="http://schemas.microsoft.com/office/drawing/2014/main" id="{E1129E8C-6EC7-15AE-190C-98BC79E07AD1}"/>
               </a:ext>
             </a:extLst>
           </p:cNvPr>
@@ -166,7 +166,7 @@
           <p:cNvPr id="3" name="副标题 2">
             <a:extLst>
               <a:ext uri="{FF2B5EF4-FFF2-40B4-BE49-F238E27FC236}">
-                <a16:creationId xmlns:a16="http://schemas.microsoft.com/office/drawing/2014/main" id="{645CC3F2-F17C-E6A8-4CB2-50F7F42C0F69}"/>
+                <a16:creationId xmlns:a16="http://schemas.microsoft.com/office/drawing/2014/main" id="{712BB7B6-F16C-3500-AF01-CEFB9EC1B0B5}"/>
               </a:ext>
             </a:extLst>
           </p:cNvPr>
@@ -236,7 +236,7 @@
           <p:cNvPr id="4" name="日期占位符 3">
             <a:extLst>
               <a:ext uri="{FF2B5EF4-FFF2-40B4-BE49-F238E27FC236}">
-                <a16:creationId xmlns:a16="http://schemas.microsoft.com/office/drawing/2014/main" id="{5BBFDEEA-3E32-15CB-7BD5-1C5CDDDA7019}"/>
+                <a16:creationId xmlns:a16="http://schemas.microsoft.com/office/drawing/2014/main" id="{EE00ED92-4705-F177-8068-8906A802BD68}"/>
               </a:ext>
             </a:extLst>
           </p:cNvPr>
@@ -252,7 +252,7 @@
           <a:bodyPr/>
           <a:lstStyle/>
           <a:p>
-            <a:fld id="{8D8A746D-0D78-48AA-A94E-0EFE932A9805}" type="datetimeFigureOut">
+            <a:fld id="{45B15930-4912-4157-B49F-3CE7AF3A2987}" type="datetimeFigureOut">
               <a:rPr lang="zh-CN" altLang="en-US" smtClean="0"/>
               <a:t>2024/3/10</a:t>
             </a:fld>
@@ -265,7 +265,7 @@
           <p:cNvPr id="5" name="页脚占位符 4">
             <a:extLst>
               <a:ext uri="{FF2B5EF4-FFF2-40B4-BE49-F238E27FC236}">
-                <a16:creationId xmlns:a16="http://schemas.microsoft.com/office/drawing/2014/main" id="{A7524D6D-ED59-3035-2307-F5FB8574AB59}"/>
+                <a16:creationId xmlns:a16="http://schemas.microsoft.com/office/drawing/2014/main" id="{20DA17F0-AB8A-89E2-DDAC-0D3209BEFF14}"/>
               </a:ext>
             </a:extLst>
           </p:cNvPr>
@@ -290,7 +290,7 @@
           <p:cNvPr id="6" name="灯片编号占位符 5">
             <a:extLst>
               <a:ext uri="{FF2B5EF4-FFF2-40B4-BE49-F238E27FC236}">
-                <a16:creationId xmlns:a16="http://schemas.microsoft.com/office/drawing/2014/main" id="{CBD827B7-83A3-B6A1-01DA-B2203B4A3BF9}"/>
+                <a16:creationId xmlns:a16="http://schemas.microsoft.com/office/drawing/2014/main" id="{E4B77717-2E75-A57E-5D7A-A4CD19359C4F}"/>
               </a:ext>
             </a:extLst>
           </p:cNvPr>
@@ -306,7 +306,7 @@
           <a:bodyPr/>
           <a:lstStyle/>
           <a:p>
-            <a:fld id="{5D283F46-35DA-4EFE-B160-29997C3DCFAF}" type="slidenum">
+            <a:fld id="{6EE32C65-7FDC-4C59-B53D-8DB1F317E91E}" type="slidenum">
               <a:rPr lang="zh-CN" altLang="en-US" smtClean="0"/>
               <a:t>‹#›</a:t>
             </a:fld>
@@ -317,7 +317,7 @@
     </p:spTree>
     <p:extLst>
       <p:ext uri="{BB962C8B-B14F-4D97-AF65-F5344CB8AC3E}">
-        <p14:creationId xmlns:p14="http://schemas.microsoft.com/office/powerpoint/2010/main" val="1889806656"/>
+        <p14:creationId xmlns:p14="http://schemas.microsoft.com/office/powerpoint/2010/main" val="2078674367"/>
       </p:ext>
     </p:extLst>
   </p:cSld>
@@ -349,7 +349,7 @@
           <p:cNvPr id="2" name="标题 1">
             <a:extLst>
               <a:ext uri="{FF2B5EF4-FFF2-40B4-BE49-F238E27FC236}">
-                <a16:creationId xmlns:a16="http://schemas.microsoft.com/office/drawing/2014/main" id="{B59819F1-2BEF-6C12-3C3B-27A4F4583967}"/>
+                <a16:creationId xmlns:a16="http://schemas.microsoft.com/office/drawing/2014/main" id="{394BE7E1-1FCF-0A89-AE45-D3B9AA40388F}"/>
               </a:ext>
             </a:extLst>
           </p:cNvPr>
@@ -377,7 +377,7 @@
           <p:cNvPr id="3" name="竖排文字占位符 2">
             <a:extLst>
               <a:ext uri="{FF2B5EF4-FFF2-40B4-BE49-F238E27FC236}">
-                <a16:creationId xmlns:a16="http://schemas.microsoft.com/office/drawing/2014/main" id="{9E09FACB-84EF-21A7-76D9-7EFF124F4FEA}"/>
+                <a16:creationId xmlns:a16="http://schemas.microsoft.com/office/drawing/2014/main" id="{40899DF9-9C6B-4091-9BC5-B3F7E8A51DB0}"/>
               </a:ext>
             </a:extLst>
           </p:cNvPr>
@@ -434,7 +434,7 @@
           <p:cNvPr id="4" name="日期占位符 3">
             <a:extLst>
               <a:ext uri="{FF2B5EF4-FFF2-40B4-BE49-F238E27FC236}">
-                <a16:creationId xmlns:a16="http://schemas.microsoft.com/office/drawing/2014/main" id="{E77FC47A-8A52-2CC3-5EAB-1BB441839443}"/>
+                <a16:creationId xmlns:a16="http://schemas.microsoft.com/office/drawing/2014/main" id="{05A54500-D0B3-9E21-701C-69031CA3F65D}"/>
               </a:ext>
             </a:extLst>
           </p:cNvPr>
@@ -450,7 +450,7 @@
           <a:bodyPr/>
           <a:lstStyle/>
           <a:p>
-            <a:fld id="{8D8A746D-0D78-48AA-A94E-0EFE932A9805}" type="datetimeFigureOut">
+            <a:fld id="{45B15930-4912-4157-B49F-3CE7AF3A2987}" type="datetimeFigureOut">
               <a:rPr lang="zh-CN" altLang="en-US" smtClean="0"/>
               <a:t>2024/3/10</a:t>
             </a:fld>
@@ -463,7 +463,7 @@
           <p:cNvPr id="5" name="页脚占位符 4">
             <a:extLst>
               <a:ext uri="{FF2B5EF4-FFF2-40B4-BE49-F238E27FC236}">
-                <a16:creationId xmlns:a16="http://schemas.microsoft.com/office/drawing/2014/main" id="{8AD9E285-DC1D-ECB4-6AFB-D9D654A73CF5}"/>
+                <a16:creationId xmlns:a16="http://schemas.microsoft.com/office/drawing/2014/main" id="{179A366D-F288-7B10-C0DB-72C0D2A5DDE9}"/>
               </a:ext>
             </a:extLst>
           </p:cNvPr>
@@ -488,7 +488,7 @@
           <p:cNvPr id="6" name="灯片编号占位符 5">
             <a:extLst>
               <a:ext uri="{FF2B5EF4-FFF2-40B4-BE49-F238E27FC236}">
-                <a16:creationId xmlns:a16="http://schemas.microsoft.com/office/drawing/2014/main" id="{80754FC9-041F-0047-9BA1-64FA3E4C5D46}"/>
+                <a16:creationId xmlns:a16="http://schemas.microsoft.com/office/drawing/2014/main" id="{4E8B08C7-465A-C05C-B4E9-FD98095C5D6F}"/>
               </a:ext>
             </a:extLst>
           </p:cNvPr>
@@ -504,7 +504,7 @@
           <a:bodyPr/>
           <a:lstStyle/>
           <a:p>
-            <a:fld id="{5D283F46-35DA-4EFE-B160-29997C3DCFAF}" type="slidenum">
+            <a:fld id="{6EE32C65-7FDC-4C59-B53D-8DB1F317E91E}" type="slidenum">
               <a:rPr lang="zh-CN" altLang="en-US" smtClean="0"/>
               <a:t>‹#›</a:t>
             </a:fld>
@@ -515,7 +515,7 @@
     </p:spTree>
     <p:extLst>
       <p:ext uri="{BB962C8B-B14F-4D97-AF65-F5344CB8AC3E}">
-        <p14:creationId xmlns:p14="http://schemas.microsoft.com/office/powerpoint/2010/main" val="2098573985"/>
+        <p14:creationId xmlns:p14="http://schemas.microsoft.com/office/powerpoint/2010/main" val="601887035"/>
       </p:ext>
     </p:extLst>
   </p:cSld>
@@ -547,7 +547,7 @@
           <p:cNvPr id="2" name="竖排标题 1">
             <a:extLst>
               <a:ext uri="{FF2B5EF4-FFF2-40B4-BE49-F238E27FC236}">
-                <a16:creationId xmlns:a16="http://schemas.microsoft.com/office/drawing/2014/main" id="{B42B5CEE-9344-101C-FB27-7D3C88520302}"/>
+                <a16:creationId xmlns:a16="http://schemas.microsoft.com/office/drawing/2014/main" id="{10D8E448-0B54-FB05-EE96-6C865D471B73}"/>
               </a:ext>
             </a:extLst>
           </p:cNvPr>
@@ -580,7 +580,7 @@
           <p:cNvPr id="3" name="竖排文字占位符 2">
             <a:extLst>
               <a:ext uri="{FF2B5EF4-FFF2-40B4-BE49-F238E27FC236}">
-                <a16:creationId xmlns:a16="http://schemas.microsoft.com/office/drawing/2014/main" id="{8BE98062-2C68-3EDD-52D4-C16E0477BB1D}"/>
+                <a16:creationId xmlns:a16="http://schemas.microsoft.com/office/drawing/2014/main" id="{1B7AA30B-54BA-D5B7-6214-B7A74D57BEBE}"/>
               </a:ext>
             </a:extLst>
           </p:cNvPr>
@@ -642,7 +642,7 @@
           <p:cNvPr id="4" name="日期占位符 3">
             <a:extLst>
               <a:ext uri="{FF2B5EF4-FFF2-40B4-BE49-F238E27FC236}">
-                <a16:creationId xmlns:a16="http://schemas.microsoft.com/office/drawing/2014/main" id="{7C77FCE3-44CC-877D-5280-0975D727346A}"/>
+                <a16:creationId xmlns:a16="http://schemas.microsoft.com/office/drawing/2014/main" id="{5317864C-CFBB-2850-CB15-DE75BD816EDF}"/>
               </a:ext>
             </a:extLst>
           </p:cNvPr>
@@ -658,7 +658,7 @@
           <a:bodyPr/>
           <a:lstStyle/>
           <a:p>
-            <a:fld id="{8D8A746D-0D78-48AA-A94E-0EFE932A9805}" type="datetimeFigureOut">
+            <a:fld id="{45B15930-4912-4157-B49F-3CE7AF3A2987}" type="datetimeFigureOut">
               <a:rPr lang="zh-CN" altLang="en-US" smtClean="0"/>
               <a:t>2024/3/10</a:t>
             </a:fld>
@@ -671,7 +671,7 @@
           <p:cNvPr id="5" name="页脚占位符 4">
             <a:extLst>
               <a:ext uri="{FF2B5EF4-FFF2-40B4-BE49-F238E27FC236}">
-                <a16:creationId xmlns:a16="http://schemas.microsoft.com/office/drawing/2014/main" id="{B828422E-EF8F-8582-2A85-72A4921EF70C}"/>
+                <a16:creationId xmlns:a16="http://schemas.microsoft.com/office/drawing/2014/main" id="{0DFC74E4-4B67-73B3-4839-D6E58A3F884B}"/>
               </a:ext>
             </a:extLst>
           </p:cNvPr>
@@ -696,7 +696,7 @@
           <p:cNvPr id="6" name="灯片编号占位符 5">
             <a:extLst>
               <a:ext uri="{FF2B5EF4-FFF2-40B4-BE49-F238E27FC236}">
-                <a16:creationId xmlns:a16="http://schemas.microsoft.com/office/drawing/2014/main" id="{07036509-CD6F-A70F-1789-26D9932B9E58}"/>
+                <a16:creationId xmlns:a16="http://schemas.microsoft.com/office/drawing/2014/main" id="{CBC3032F-FAD3-DEC2-A6C6-7238AEB2C820}"/>
               </a:ext>
             </a:extLst>
           </p:cNvPr>
@@ -712,7 +712,7 @@
           <a:bodyPr/>
           <a:lstStyle/>
           <a:p>
-            <a:fld id="{5D283F46-35DA-4EFE-B160-29997C3DCFAF}" type="slidenum">
+            <a:fld id="{6EE32C65-7FDC-4C59-B53D-8DB1F317E91E}" type="slidenum">
               <a:rPr lang="zh-CN" altLang="en-US" smtClean="0"/>
               <a:t>‹#›</a:t>
             </a:fld>
@@ -723,7 +723,7 @@
     </p:spTree>
     <p:extLst>
       <p:ext uri="{BB962C8B-B14F-4D97-AF65-F5344CB8AC3E}">
-        <p14:creationId xmlns:p14="http://schemas.microsoft.com/office/powerpoint/2010/main" val="393393618"/>
+        <p14:creationId xmlns:p14="http://schemas.microsoft.com/office/powerpoint/2010/main" val="498076784"/>
       </p:ext>
     </p:extLst>
   </p:cSld>
@@ -755,7 +755,7 @@
           <p:cNvPr id="2" name="标题 1">
             <a:extLst>
               <a:ext uri="{FF2B5EF4-FFF2-40B4-BE49-F238E27FC236}">
-                <a16:creationId xmlns:a16="http://schemas.microsoft.com/office/drawing/2014/main" id="{245C96B3-FF8D-787C-376B-AE04086BE0F9}"/>
+                <a16:creationId xmlns:a16="http://schemas.microsoft.com/office/drawing/2014/main" id="{5AC6AE90-205E-455C-BA33-73E0662BED7F}"/>
               </a:ext>
             </a:extLst>
           </p:cNvPr>
@@ -783,7 +783,7 @@
           <p:cNvPr id="3" name="内容占位符 2">
             <a:extLst>
               <a:ext uri="{FF2B5EF4-FFF2-40B4-BE49-F238E27FC236}">
-                <a16:creationId xmlns:a16="http://schemas.microsoft.com/office/drawing/2014/main" id="{F67923EF-E9E2-AD3A-DAF1-363BEFA30E96}"/>
+                <a16:creationId xmlns:a16="http://schemas.microsoft.com/office/drawing/2014/main" id="{94EAB11A-32EF-4A65-42C1-89760E75B0A4}"/>
               </a:ext>
             </a:extLst>
           </p:cNvPr>
@@ -840,7 +840,7 @@
           <p:cNvPr id="4" name="日期占位符 3">
             <a:extLst>
               <a:ext uri="{FF2B5EF4-FFF2-40B4-BE49-F238E27FC236}">
-                <a16:creationId xmlns:a16="http://schemas.microsoft.com/office/drawing/2014/main" id="{C55B6947-6F91-267F-0DF2-28A3E6AD4A12}"/>
+                <a16:creationId xmlns:a16="http://schemas.microsoft.com/office/drawing/2014/main" id="{0908F9CD-F2B0-D0D9-E4E2-59119C9C87A1}"/>
               </a:ext>
             </a:extLst>
           </p:cNvPr>
@@ -856,7 +856,7 @@
           <a:bodyPr/>
           <a:lstStyle/>
           <a:p>
-            <a:fld id="{8D8A746D-0D78-48AA-A94E-0EFE932A9805}" type="datetimeFigureOut">
+            <a:fld id="{45B15930-4912-4157-B49F-3CE7AF3A2987}" type="datetimeFigureOut">
               <a:rPr lang="zh-CN" altLang="en-US" smtClean="0"/>
               <a:t>2024/3/10</a:t>
             </a:fld>
@@ -869,7 +869,7 @@
           <p:cNvPr id="5" name="页脚占位符 4">
             <a:extLst>
               <a:ext uri="{FF2B5EF4-FFF2-40B4-BE49-F238E27FC236}">
-                <a16:creationId xmlns:a16="http://schemas.microsoft.com/office/drawing/2014/main" id="{3F1B1E92-3FD1-7E4B-9105-1045C67761B7}"/>
+                <a16:creationId xmlns:a16="http://schemas.microsoft.com/office/drawing/2014/main" id="{DED91E8C-7353-EEEA-9236-2D39537FB9FB}"/>
               </a:ext>
             </a:extLst>
           </p:cNvPr>
@@ -894,7 +894,7 @@
           <p:cNvPr id="6" name="灯片编号占位符 5">
             <a:extLst>
               <a:ext uri="{FF2B5EF4-FFF2-40B4-BE49-F238E27FC236}">
-                <a16:creationId xmlns:a16="http://schemas.microsoft.com/office/drawing/2014/main" id="{C5CB4BF3-6DF6-F2F9-D1C7-E068B3CF625F}"/>
+                <a16:creationId xmlns:a16="http://schemas.microsoft.com/office/drawing/2014/main" id="{2438301B-0B6E-25D6-B23B-5245A8F32E8A}"/>
               </a:ext>
             </a:extLst>
           </p:cNvPr>
@@ -910,7 +910,7 @@
           <a:bodyPr/>
           <a:lstStyle/>
           <a:p>
-            <a:fld id="{5D283F46-35DA-4EFE-B160-29997C3DCFAF}" type="slidenum">
+            <a:fld id="{6EE32C65-7FDC-4C59-B53D-8DB1F317E91E}" type="slidenum">
               <a:rPr lang="zh-CN" altLang="en-US" smtClean="0"/>
               <a:t>‹#›</a:t>
             </a:fld>
@@ -921,7 +921,7 @@
     </p:spTree>
     <p:extLst>
       <p:ext uri="{BB962C8B-B14F-4D97-AF65-F5344CB8AC3E}">
-        <p14:creationId xmlns:p14="http://schemas.microsoft.com/office/powerpoint/2010/main" val="741274838"/>
+        <p14:creationId xmlns:p14="http://schemas.microsoft.com/office/powerpoint/2010/main" val="168694700"/>
       </p:ext>
     </p:extLst>
   </p:cSld>
@@ -953,7 +953,7 @@
           <p:cNvPr id="2" name="标题 1">
             <a:extLst>
               <a:ext uri="{FF2B5EF4-FFF2-40B4-BE49-F238E27FC236}">
-                <a16:creationId xmlns:a16="http://schemas.microsoft.com/office/drawing/2014/main" id="{827286F4-7E2C-A3EE-18CF-311C94778451}"/>
+                <a16:creationId xmlns:a16="http://schemas.microsoft.com/office/drawing/2014/main" id="{CAB45FD9-AB6B-B7CF-ABCE-1798C99F9675}"/>
               </a:ext>
             </a:extLst>
           </p:cNvPr>
@@ -990,7 +990,7 @@
           <p:cNvPr id="3" name="文本占位符 2">
             <a:extLst>
               <a:ext uri="{FF2B5EF4-FFF2-40B4-BE49-F238E27FC236}">
-                <a16:creationId xmlns:a16="http://schemas.microsoft.com/office/drawing/2014/main" id="{F0129050-8CFA-2F16-6709-3C32F5266EDA}"/>
+                <a16:creationId xmlns:a16="http://schemas.microsoft.com/office/drawing/2014/main" id="{D299937E-2371-5A16-335A-DDB1445AE36F}"/>
               </a:ext>
             </a:extLst>
           </p:cNvPr>
@@ -1115,7 +1115,7 @@
           <p:cNvPr id="4" name="日期占位符 3">
             <a:extLst>
               <a:ext uri="{FF2B5EF4-FFF2-40B4-BE49-F238E27FC236}">
-                <a16:creationId xmlns:a16="http://schemas.microsoft.com/office/drawing/2014/main" id="{89713BC8-CA65-11C8-2FB8-336078BF2111}"/>
+                <a16:creationId xmlns:a16="http://schemas.microsoft.com/office/drawing/2014/main" id="{731A3D49-863C-B6C5-BF13-829619CE9DCE}"/>
               </a:ext>
             </a:extLst>
           </p:cNvPr>
@@ -1131,7 +1131,7 @@
           <a:bodyPr/>
           <a:lstStyle/>
           <a:p>
-            <a:fld id="{8D8A746D-0D78-48AA-A94E-0EFE932A9805}" type="datetimeFigureOut">
+            <a:fld id="{45B15930-4912-4157-B49F-3CE7AF3A2987}" type="datetimeFigureOut">
               <a:rPr lang="zh-CN" altLang="en-US" smtClean="0"/>
               <a:t>2024/3/10</a:t>
             </a:fld>
@@ -1144,7 +1144,7 @@
           <p:cNvPr id="5" name="页脚占位符 4">
             <a:extLst>
               <a:ext uri="{FF2B5EF4-FFF2-40B4-BE49-F238E27FC236}">
-                <a16:creationId xmlns:a16="http://schemas.microsoft.com/office/drawing/2014/main" id="{4A127284-973A-9511-6570-0B12BD0F2078}"/>
+                <a16:creationId xmlns:a16="http://schemas.microsoft.com/office/drawing/2014/main" id="{BE5D7224-07A4-42D7-2A16-AEB9339DF266}"/>
               </a:ext>
             </a:extLst>
           </p:cNvPr>
@@ -1169,7 +1169,7 @@
           <p:cNvPr id="6" name="灯片编号占位符 5">
             <a:extLst>
               <a:ext uri="{FF2B5EF4-FFF2-40B4-BE49-F238E27FC236}">
-                <a16:creationId xmlns:a16="http://schemas.microsoft.com/office/drawing/2014/main" id="{8E5A6A9B-CA86-3E17-BA6C-A9F4D56B74C7}"/>
+                <a16:creationId xmlns:a16="http://schemas.microsoft.com/office/drawing/2014/main" id="{EF50451F-2066-9D0C-4426-E0C10FCE1AE1}"/>
               </a:ext>
             </a:extLst>
           </p:cNvPr>
@@ -1185,7 +1185,7 @@
           <a:bodyPr/>
           <a:lstStyle/>
           <a:p>
-            <a:fld id="{5D283F46-35DA-4EFE-B160-29997C3DCFAF}" type="slidenum">
+            <a:fld id="{6EE32C65-7FDC-4C59-B53D-8DB1F317E91E}" type="slidenum">
               <a:rPr lang="zh-CN" altLang="en-US" smtClean="0"/>
               <a:t>‹#›</a:t>
             </a:fld>
@@ -1196,7 +1196,7 @@
     </p:spTree>
     <p:extLst>
       <p:ext uri="{BB962C8B-B14F-4D97-AF65-F5344CB8AC3E}">
-        <p14:creationId xmlns:p14="http://schemas.microsoft.com/office/powerpoint/2010/main" val="705978573"/>
+        <p14:creationId xmlns:p14="http://schemas.microsoft.com/office/powerpoint/2010/main" val="1834353733"/>
       </p:ext>
     </p:extLst>
   </p:cSld>
@@ -1228,7 +1228,7 @@
           <p:cNvPr id="2" name="标题 1">
             <a:extLst>
               <a:ext uri="{FF2B5EF4-FFF2-40B4-BE49-F238E27FC236}">
-                <a16:creationId xmlns:a16="http://schemas.microsoft.com/office/drawing/2014/main" id="{BE6C58C0-2A39-A32E-E78B-349670DC43F1}"/>
+                <a16:creationId xmlns:a16="http://schemas.microsoft.com/office/drawing/2014/main" id="{F13511A8-9718-7498-07A5-7B62444E946F}"/>
               </a:ext>
             </a:extLst>
           </p:cNvPr>
@@ -1256,7 +1256,7 @@
           <p:cNvPr id="3" name="内容占位符 2">
             <a:extLst>
               <a:ext uri="{FF2B5EF4-FFF2-40B4-BE49-F238E27FC236}">
-                <a16:creationId xmlns:a16="http://schemas.microsoft.com/office/drawing/2014/main" id="{7E5F6B8B-28B6-34A8-BB99-0B22E0ACD2AD}"/>
+                <a16:creationId xmlns:a16="http://schemas.microsoft.com/office/drawing/2014/main" id="{6D69E997-E7C3-0D7F-2FB9-752D8C89AE67}"/>
               </a:ext>
             </a:extLst>
           </p:cNvPr>
@@ -1318,7 +1318,7 @@
           <p:cNvPr id="4" name="内容占位符 3">
             <a:extLst>
               <a:ext uri="{FF2B5EF4-FFF2-40B4-BE49-F238E27FC236}">
-                <a16:creationId xmlns:a16="http://schemas.microsoft.com/office/drawing/2014/main" id="{7835870E-1111-A2FD-FF3C-CB2ED1B4350D}"/>
+                <a16:creationId xmlns:a16="http://schemas.microsoft.com/office/drawing/2014/main" id="{8B54E0A1-AAD8-7081-604F-A048A6D29F1E}"/>
               </a:ext>
             </a:extLst>
           </p:cNvPr>
@@ -1380,7 +1380,7 @@
           <p:cNvPr id="5" name="日期占位符 4">
             <a:extLst>
               <a:ext uri="{FF2B5EF4-FFF2-40B4-BE49-F238E27FC236}">
-                <a16:creationId xmlns:a16="http://schemas.microsoft.com/office/drawing/2014/main" id="{1D2AA500-E17C-6962-F783-E6913233CE57}"/>
+                <a16:creationId xmlns:a16="http://schemas.microsoft.com/office/drawing/2014/main" id="{1FE12C3B-5B1C-2E39-6B22-749603D67E29}"/>
               </a:ext>
             </a:extLst>
           </p:cNvPr>
@@ -1396,7 +1396,7 @@
           <a:bodyPr/>
           <a:lstStyle/>
           <a:p>
-            <a:fld id="{8D8A746D-0D78-48AA-A94E-0EFE932A9805}" type="datetimeFigureOut">
+            <a:fld id="{45B15930-4912-4157-B49F-3CE7AF3A2987}" type="datetimeFigureOut">
               <a:rPr lang="zh-CN" altLang="en-US" smtClean="0"/>
               <a:t>2024/3/10</a:t>
             </a:fld>
@@ -1409,7 +1409,7 @@
           <p:cNvPr id="6" name="页脚占位符 5">
             <a:extLst>
               <a:ext uri="{FF2B5EF4-FFF2-40B4-BE49-F238E27FC236}">
-                <a16:creationId xmlns:a16="http://schemas.microsoft.com/office/drawing/2014/main" id="{C454BCC9-9D41-2C32-55E5-908D7A0724C8}"/>
+                <a16:creationId xmlns:a16="http://schemas.microsoft.com/office/drawing/2014/main" id="{40BFA00B-58C9-A6D1-F517-638FCAC3848B}"/>
               </a:ext>
             </a:extLst>
           </p:cNvPr>
@@ -1434,7 +1434,7 @@
           <p:cNvPr id="7" name="灯片编号占位符 6">
             <a:extLst>
               <a:ext uri="{FF2B5EF4-FFF2-40B4-BE49-F238E27FC236}">
-                <a16:creationId xmlns:a16="http://schemas.microsoft.com/office/drawing/2014/main" id="{EC74818D-63AA-3FBC-0C31-C3337F89AADE}"/>
+                <a16:creationId xmlns:a16="http://schemas.microsoft.com/office/drawing/2014/main" id="{09E17518-A89A-49FB-FA95-72617D97D6DB}"/>
               </a:ext>
             </a:extLst>
           </p:cNvPr>
@@ -1450,7 +1450,7 @@
           <a:bodyPr/>
           <a:lstStyle/>
           <a:p>
-            <a:fld id="{5D283F46-35DA-4EFE-B160-29997C3DCFAF}" type="slidenum">
+            <a:fld id="{6EE32C65-7FDC-4C59-B53D-8DB1F317E91E}" type="slidenum">
               <a:rPr lang="zh-CN" altLang="en-US" smtClean="0"/>
               <a:t>‹#›</a:t>
             </a:fld>
@@ -1461,7 +1461,7 @@
     </p:spTree>
     <p:extLst>
       <p:ext uri="{BB962C8B-B14F-4D97-AF65-F5344CB8AC3E}">
-        <p14:creationId xmlns:p14="http://schemas.microsoft.com/office/powerpoint/2010/main" val="1447357428"/>
+        <p14:creationId xmlns:p14="http://schemas.microsoft.com/office/powerpoint/2010/main" val="3657908424"/>
       </p:ext>
     </p:extLst>
   </p:cSld>
@@ -1493,7 +1493,7 @@
           <p:cNvPr id="2" name="标题 1">
             <a:extLst>
               <a:ext uri="{FF2B5EF4-FFF2-40B4-BE49-F238E27FC236}">
-                <a16:creationId xmlns:a16="http://schemas.microsoft.com/office/drawing/2014/main" id="{689EF6BE-51A2-AD0E-C562-E77A58841993}"/>
+                <a16:creationId xmlns:a16="http://schemas.microsoft.com/office/drawing/2014/main" id="{C7145659-9D59-1C00-B0FD-E1DDF668EC10}"/>
               </a:ext>
             </a:extLst>
           </p:cNvPr>
@@ -1526,7 +1526,7 @@
           <p:cNvPr id="3" name="文本占位符 2">
             <a:extLst>
               <a:ext uri="{FF2B5EF4-FFF2-40B4-BE49-F238E27FC236}">
-                <a16:creationId xmlns:a16="http://schemas.microsoft.com/office/drawing/2014/main" id="{7D835FDE-6A9F-DB19-38A0-B412FB5E8EAB}"/>
+                <a16:creationId xmlns:a16="http://schemas.microsoft.com/office/drawing/2014/main" id="{C4CC6A1A-E4E2-4A31-28A2-1DE154E59EC4}"/>
               </a:ext>
             </a:extLst>
           </p:cNvPr>
@@ -1597,7 +1597,7 @@
           <p:cNvPr id="4" name="内容占位符 3">
             <a:extLst>
               <a:ext uri="{FF2B5EF4-FFF2-40B4-BE49-F238E27FC236}">
-                <a16:creationId xmlns:a16="http://schemas.microsoft.com/office/drawing/2014/main" id="{99FB9EC8-ADE6-B218-C45F-73D8B06E086C}"/>
+                <a16:creationId xmlns:a16="http://schemas.microsoft.com/office/drawing/2014/main" id="{5DBB2218-8C88-1AEC-8C32-9059F02DDB14}"/>
               </a:ext>
             </a:extLst>
           </p:cNvPr>
@@ -1659,7 +1659,7 @@
           <p:cNvPr id="5" name="文本占位符 4">
             <a:extLst>
               <a:ext uri="{FF2B5EF4-FFF2-40B4-BE49-F238E27FC236}">
-                <a16:creationId xmlns:a16="http://schemas.microsoft.com/office/drawing/2014/main" id="{89C91683-CA8B-3D69-1C57-E2122B79F7FD}"/>
+                <a16:creationId xmlns:a16="http://schemas.microsoft.com/office/drawing/2014/main" id="{6E56B09F-8F24-5A77-0078-B961F128AEF7}"/>
               </a:ext>
             </a:extLst>
           </p:cNvPr>
@@ -1730,7 +1730,7 @@
           <p:cNvPr id="6" name="内容占位符 5">
             <a:extLst>
               <a:ext uri="{FF2B5EF4-FFF2-40B4-BE49-F238E27FC236}">
-                <a16:creationId xmlns:a16="http://schemas.microsoft.com/office/drawing/2014/main" id="{3CDE3350-B307-8759-F816-5B5B30CA56D7}"/>
+                <a16:creationId xmlns:a16="http://schemas.microsoft.com/office/drawing/2014/main" id="{D6B218BD-B144-AC42-067D-4B650A14D5CD}"/>
               </a:ext>
             </a:extLst>
           </p:cNvPr>
@@ -1792,7 +1792,7 @@
           <p:cNvPr id="7" name="日期占位符 6">
             <a:extLst>
               <a:ext uri="{FF2B5EF4-FFF2-40B4-BE49-F238E27FC236}">
-                <a16:creationId xmlns:a16="http://schemas.microsoft.com/office/drawing/2014/main" id="{51E17BDF-820F-3A6C-6FE6-5157140B7591}"/>
+                <a16:creationId xmlns:a16="http://schemas.microsoft.com/office/drawing/2014/main" id="{12086890-6F44-CBA5-F37B-BBF36FCF1D81}"/>
               </a:ext>
             </a:extLst>
           </p:cNvPr>
@@ -1808,7 +1808,7 @@
           <a:bodyPr/>
           <a:lstStyle/>
           <a:p>
-            <a:fld id="{8D8A746D-0D78-48AA-A94E-0EFE932A9805}" type="datetimeFigureOut">
+            <a:fld id="{45B15930-4912-4157-B49F-3CE7AF3A2987}" type="datetimeFigureOut">
               <a:rPr lang="zh-CN" altLang="en-US" smtClean="0"/>
               <a:t>2024/3/10</a:t>
             </a:fld>
@@ -1821,7 +1821,7 @@
           <p:cNvPr id="8" name="页脚占位符 7">
             <a:extLst>
               <a:ext uri="{FF2B5EF4-FFF2-40B4-BE49-F238E27FC236}">
-                <a16:creationId xmlns:a16="http://schemas.microsoft.com/office/drawing/2014/main" id="{227B9258-4DA4-ECEA-3623-3277AFCE9062}"/>
+                <a16:creationId xmlns:a16="http://schemas.microsoft.com/office/drawing/2014/main" id="{F1CA3183-4B29-F66A-A45E-A2049E16C442}"/>
               </a:ext>
             </a:extLst>
           </p:cNvPr>
@@ -1846,7 +1846,7 @@
           <p:cNvPr id="9" name="灯片编号占位符 8">
             <a:extLst>
               <a:ext uri="{FF2B5EF4-FFF2-40B4-BE49-F238E27FC236}">
-                <a16:creationId xmlns:a16="http://schemas.microsoft.com/office/drawing/2014/main" id="{4733FC9A-2353-35A1-26CD-E93CFD4A8E6A}"/>
+                <a16:creationId xmlns:a16="http://schemas.microsoft.com/office/drawing/2014/main" id="{6DDB4B3C-4A9F-7214-70EE-962675D0ECFF}"/>
               </a:ext>
             </a:extLst>
           </p:cNvPr>
@@ -1862,7 +1862,7 @@
           <a:bodyPr/>
           <a:lstStyle/>
           <a:p>
-            <a:fld id="{5D283F46-35DA-4EFE-B160-29997C3DCFAF}" type="slidenum">
+            <a:fld id="{6EE32C65-7FDC-4C59-B53D-8DB1F317E91E}" type="slidenum">
               <a:rPr lang="zh-CN" altLang="en-US" smtClean="0"/>
               <a:t>‹#›</a:t>
             </a:fld>
@@ -1873,7 +1873,7 @@
     </p:spTree>
     <p:extLst>
       <p:ext uri="{BB962C8B-B14F-4D97-AF65-F5344CB8AC3E}">
-        <p14:creationId xmlns:p14="http://schemas.microsoft.com/office/powerpoint/2010/main" val="2213070833"/>
+        <p14:creationId xmlns:p14="http://schemas.microsoft.com/office/powerpoint/2010/main" val="675941966"/>
       </p:ext>
     </p:extLst>
   </p:cSld>
@@ -1905,7 +1905,7 @@
           <p:cNvPr id="2" name="标题 1">
             <a:extLst>
               <a:ext uri="{FF2B5EF4-FFF2-40B4-BE49-F238E27FC236}">
-                <a16:creationId xmlns:a16="http://schemas.microsoft.com/office/drawing/2014/main" id="{90EF246F-DB1B-90B9-B2E4-9BFE917F13A6}"/>
+                <a16:creationId xmlns:a16="http://schemas.microsoft.com/office/drawing/2014/main" id="{B2BB14A8-4C11-0FFD-061A-474FFC5400EA}"/>
               </a:ext>
             </a:extLst>
           </p:cNvPr>
@@ -1933,7 +1933,7 @@
           <p:cNvPr id="3" name="日期占位符 2">
             <a:extLst>
               <a:ext uri="{FF2B5EF4-FFF2-40B4-BE49-F238E27FC236}">
-                <a16:creationId xmlns:a16="http://schemas.microsoft.com/office/drawing/2014/main" id="{E09E21AD-44B8-5D90-26FF-B8E102EEB11D}"/>
+                <a16:creationId xmlns:a16="http://schemas.microsoft.com/office/drawing/2014/main" id="{ABECBE94-E23E-2F53-4602-8144AA0EA4DF}"/>
               </a:ext>
             </a:extLst>
           </p:cNvPr>
@@ -1949,7 +1949,7 @@
           <a:bodyPr/>
           <a:lstStyle/>
           <a:p>
-            <a:fld id="{8D8A746D-0D78-48AA-A94E-0EFE932A9805}" type="datetimeFigureOut">
+            <a:fld id="{45B15930-4912-4157-B49F-3CE7AF3A2987}" type="datetimeFigureOut">
               <a:rPr lang="zh-CN" altLang="en-US" smtClean="0"/>
               <a:t>2024/3/10</a:t>
             </a:fld>
@@ -1962,7 +1962,7 @@
           <p:cNvPr id="4" name="页脚占位符 3">
             <a:extLst>
               <a:ext uri="{FF2B5EF4-FFF2-40B4-BE49-F238E27FC236}">
-                <a16:creationId xmlns:a16="http://schemas.microsoft.com/office/drawing/2014/main" id="{95BED196-BF20-5420-BBC6-3932744528F6}"/>
+                <a16:creationId xmlns:a16="http://schemas.microsoft.com/office/drawing/2014/main" id="{A392C7E5-CF8E-F6E1-1FFF-EC4BCD1994A2}"/>
               </a:ext>
             </a:extLst>
           </p:cNvPr>
@@ -1987,7 +1987,7 @@
           <p:cNvPr id="5" name="灯片编号占位符 4">
             <a:extLst>
               <a:ext uri="{FF2B5EF4-FFF2-40B4-BE49-F238E27FC236}">
-                <a16:creationId xmlns:a16="http://schemas.microsoft.com/office/drawing/2014/main" id="{4B3A0BD6-87CE-2F4E-36F8-77C82E0CA68E}"/>
+                <a16:creationId xmlns:a16="http://schemas.microsoft.com/office/drawing/2014/main" id="{4D48FA04-7137-D329-0905-9827C8D0E519}"/>
               </a:ext>
             </a:extLst>
           </p:cNvPr>
@@ -2003,7 +2003,7 @@
           <a:bodyPr/>
           <a:lstStyle/>
           <a:p>
-            <a:fld id="{5D283F46-35DA-4EFE-B160-29997C3DCFAF}" type="slidenum">
+            <a:fld id="{6EE32C65-7FDC-4C59-B53D-8DB1F317E91E}" type="slidenum">
               <a:rPr lang="zh-CN" altLang="en-US" smtClean="0"/>
               <a:t>‹#›</a:t>
             </a:fld>
@@ -2014,7 +2014,7 @@
     </p:spTree>
     <p:extLst>
       <p:ext uri="{BB962C8B-B14F-4D97-AF65-F5344CB8AC3E}">
-        <p14:creationId xmlns:p14="http://schemas.microsoft.com/office/powerpoint/2010/main" val="346879459"/>
+        <p14:creationId xmlns:p14="http://schemas.microsoft.com/office/powerpoint/2010/main" val="1059711096"/>
       </p:ext>
     </p:extLst>
   </p:cSld>
@@ -2046,7 +2046,7 @@
           <p:cNvPr id="2" name="日期占位符 1">
             <a:extLst>
               <a:ext uri="{FF2B5EF4-FFF2-40B4-BE49-F238E27FC236}">
-                <a16:creationId xmlns:a16="http://schemas.microsoft.com/office/drawing/2014/main" id="{20944F1A-8FAC-D7AB-D3B3-1F8420F07820}"/>
+                <a16:creationId xmlns:a16="http://schemas.microsoft.com/office/drawing/2014/main" id="{01944F0C-7721-D8F4-22D4-E5A7E044B977}"/>
               </a:ext>
             </a:extLst>
           </p:cNvPr>
@@ -2062,7 +2062,7 @@
           <a:bodyPr/>
           <a:lstStyle/>
           <a:p>
-            <a:fld id="{8D8A746D-0D78-48AA-A94E-0EFE932A9805}" type="datetimeFigureOut">
+            <a:fld id="{45B15930-4912-4157-B49F-3CE7AF3A2987}" type="datetimeFigureOut">
               <a:rPr lang="zh-CN" altLang="en-US" smtClean="0"/>
               <a:t>2024/3/10</a:t>
             </a:fld>
@@ -2075,7 +2075,7 @@
           <p:cNvPr id="3" name="页脚占位符 2">
             <a:extLst>
               <a:ext uri="{FF2B5EF4-FFF2-40B4-BE49-F238E27FC236}">
-                <a16:creationId xmlns:a16="http://schemas.microsoft.com/office/drawing/2014/main" id="{0B9BEC42-C4A8-BE2D-E984-0CA33D1262C8}"/>
+                <a16:creationId xmlns:a16="http://schemas.microsoft.com/office/drawing/2014/main" id="{5318C3F5-CE3E-3463-9FFB-2C3722DB1054}"/>
               </a:ext>
             </a:extLst>
           </p:cNvPr>
@@ -2100,7 +2100,7 @@
           <p:cNvPr id="4" name="灯片编号占位符 3">
             <a:extLst>
               <a:ext uri="{FF2B5EF4-FFF2-40B4-BE49-F238E27FC236}">
-                <a16:creationId xmlns:a16="http://schemas.microsoft.com/office/drawing/2014/main" id="{DC2438CF-42EB-A6B0-3AF9-2EAB5485DDF8}"/>
+                <a16:creationId xmlns:a16="http://schemas.microsoft.com/office/drawing/2014/main" id="{E9FF7E7F-AD46-61FA-F0EB-5821E896C9EF}"/>
               </a:ext>
             </a:extLst>
           </p:cNvPr>
@@ -2116,7 +2116,7 @@
           <a:bodyPr/>
           <a:lstStyle/>
           <a:p>
-            <a:fld id="{5D283F46-35DA-4EFE-B160-29997C3DCFAF}" type="slidenum">
+            <a:fld id="{6EE32C65-7FDC-4C59-B53D-8DB1F317E91E}" type="slidenum">
               <a:rPr lang="zh-CN" altLang="en-US" smtClean="0"/>
               <a:t>‹#›</a:t>
             </a:fld>
@@ -2127,7 +2127,7 @@
     </p:spTree>
     <p:extLst>
       <p:ext uri="{BB962C8B-B14F-4D97-AF65-F5344CB8AC3E}">
-        <p14:creationId xmlns:p14="http://schemas.microsoft.com/office/powerpoint/2010/main" val="181645601"/>
+        <p14:creationId xmlns:p14="http://schemas.microsoft.com/office/powerpoint/2010/main" val="941067065"/>
       </p:ext>
     </p:extLst>
   </p:cSld>
@@ -2159,7 +2159,7 @@
           <p:cNvPr id="2" name="标题 1">
             <a:extLst>
               <a:ext uri="{FF2B5EF4-FFF2-40B4-BE49-F238E27FC236}">
-                <a16:creationId xmlns:a16="http://schemas.microsoft.com/office/drawing/2014/main" id="{739B7EAD-2BBE-F278-1D2D-C6B09DA9FB61}"/>
+                <a16:creationId xmlns:a16="http://schemas.microsoft.com/office/drawing/2014/main" id="{5E27E6F8-4E96-0726-815D-CEAE5FA935F4}"/>
               </a:ext>
             </a:extLst>
           </p:cNvPr>
@@ -2196,7 +2196,7 @@
           <p:cNvPr id="3" name="内容占位符 2">
             <a:extLst>
               <a:ext uri="{FF2B5EF4-FFF2-40B4-BE49-F238E27FC236}">
-                <a16:creationId xmlns:a16="http://schemas.microsoft.com/office/drawing/2014/main" id="{0FD5E17B-E7F0-A704-66F6-9AFD33A5FA80}"/>
+                <a16:creationId xmlns:a16="http://schemas.microsoft.com/office/drawing/2014/main" id="{870DCB00-731A-BC34-C05B-BDC9556220DA}"/>
               </a:ext>
             </a:extLst>
           </p:cNvPr>
@@ -2286,7 +2286,7 @@
           <p:cNvPr id="4" name="文本占位符 3">
             <a:extLst>
               <a:ext uri="{FF2B5EF4-FFF2-40B4-BE49-F238E27FC236}">
-                <a16:creationId xmlns:a16="http://schemas.microsoft.com/office/drawing/2014/main" id="{1E0BD771-2C33-CC03-AB17-A4CC67897A19}"/>
+                <a16:creationId xmlns:a16="http://schemas.microsoft.com/office/drawing/2014/main" id="{8D0CA060-851C-ED77-0220-FA7703EA493D}"/>
               </a:ext>
             </a:extLst>
           </p:cNvPr>
@@ -2357,7 +2357,7 @@
           <p:cNvPr id="5" name="日期占位符 4">
             <a:extLst>
               <a:ext uri="{FF2B5EF4-FFF2-40B4-BE49-F238E27FC236}">
-                <a16:creationId xmlns:a16="http://schemas.microsoft.com/office/drawing/2014/main" id="{DBAD4EBA-88A1-990A-7403-62E8E84D1FF8}"/>
+                <a16:creationId xmlns:a16="http://schemas.microsoft.com/office/drawing/2014/main" id="{886D9487-7A0A-B016-F1B6-423FC02601E8}"/>
               </a:ext>
             </a:extLst>
           </p:cNvPr>
@@ -2373,7 +2373,7 @@
           <a:bodyPr/>
           <a:lstStyle/>
           <a:p>
-            <a:fld id="{8D8A746D-0D78-48AA-A94E-0EFE932A9805}" type="datetimeFigureOut">
+            <a:fld id="{45B15930-4912-4157-B49F-3CE7AF3A2987}" type="datetimeFigureOut">
               <a:rPr lang="zh-CN" altLang="en-US" smtClean="0"/>
               <a:t>2024/3/10</a:t>
             </a:fld>
@@ -2386,7 +2386,7 @@
           <p:cNvPr id="6" name="页脚占位符 5">
             <a:extLst>
               <a:ext uri="{FF2B5EF4-FFF2-40B4-BE49-F238E27FC236}">
-                <a16:creationId xmlns:a16="http://schemas.microsoft.com/office/drawing/2014/main" id="{7B38DF30-978C-512D-8983-D64165613CF7}"/>
+                <a16:creationId xmlns:a16="http://schemas.microsoft.com/office/drawing/2014/main" id="{CD10575F-8B29-B934-DC0E-77014F8D496B}"/>
               </a:ext>
             </a:extLst>
           </p:cNvPr>
@@ -2411,7 +2411,7 @@
           <p:cNvPr id="7" name="灯片编号占位符 6">
             <a:extLst>
               <a:ext uri="{FF2B5EF4-FFF2-40B4-BE49-F238E27FC236}">
-                <a16:creationId xmlns:a16="http://schemas.microsoft.com/office/drawing/2014/main" id="{B7DDA8D7-727C-18B4-84B2-76D246305670}"/>
+                <a16:creationId xmlns:a16="http://schemas.microsoft.com/office/drawing/2014/main" id="{E38EC807-1873-F812-39E8-833E9CC1E4BF}"/>
               </a:ext>
             </a:extLst>
           </p:cNvPr>
@@ -2427,7 +2427,7 @@
           <a:bodyPr/>
           <a:lstStyle/>
           <a:p>
-            <a:fld id="{5D283F46-35DA-4EFE-B160-29997C3DCFAF}" type="slidenum">
+            <a:fld id="{6EE32C65-7FDC-4C59-B53D-8DB1F317E91E}" type="slidenum">
               <a:rPr lang="zh-CN" altLang="en-US" smtClean="0"/>
               <a:t>‹#›</a:t>
             </a:fld>
@@ -2438,7 +2438,7 @@
     </p:spTree>
     <p:extLst>
       <p:ext uri="{BB962C8B-B14F-4D97-AF65-F5344CB8AC3E}">
-        <p14:creationId xmlns:p14="http://schemas.microsoft.com/office/powerpoint/2010/main" val="3501854742"/>
+        <p14:creationId xmlns:p14="http://schemas.microsoft.com/office/powerpoint/2010/main" val="13778336"/>
       </p:ext>
     </p:extLst>
   </p:cSld>
@@ -2470,7 +2470,7 @@
           <p:cNvPr id="2" name="标题 1">
             <a:extLst>
               <a:ext uri="{FF2B5EF4-FFF2-40B4-BE49-F238E27FC236}">
-                <a16:creationId xmlns:a16="http://schemas.microsoft.com/office/drawing/2014/main" id="{78E320BA-682F-BF77-7D7E-5BCA9C87FEA8}"/>
+                <a16:creationId xmlns:a16="http://schemas.microsoft.com/office/drawing/2014/main" id="{4ECDECD9-9450-FEDE-8631-3AB635090CDB}"/>
               </a:ext>
             </a:extLst>
           </p:cNvPr>
@@ -2507,7 +2507,7 @@
           <p:cNvPr id="3" name="图片占位符 2">
             <a:extLst>
               <a:ext uri="{FF2B5EF4-FFF2-40B4-BE49-F238E27FC236}">
-                <a16:creationId xmlns:a16="http://schemas.microsoft.com/office/drawing/2014/main" id="{E482E65B-BD95-C14F-E69B-92EE063538F8}"/>
+                <a16:creationId xmlns:a16="http://schemas.microsoft.com/office/drawing/2014/main" id="{1EB24272-57E6-336B-CE18-2FCDDCA77727}"/>
               </a:ext>
             </a:extLst>
           </p:cNvPr>
@@ -2574,7 +2574,7 @@
           <p:cNvPr id="4" name="文本占位符 3">
             <a:extLst>
               <a:ext uri="{FF2B5EF4-FFF2-40B4-BE49-F238E27FC236}">
-                <a16:creationId xmlns:a16="http://schemas.microsoft.com/office/drawing/2014/main" id="{C8061968-FC2E-3459-0185-617C000CBF71}"/>
+                <a16:creationId xmlns:a16="http://schemas.microsoft.com/office/drawing/2014/main" id="{C1798D0D-E187-ED3F-EC8F-EE7B35E8EFE2}"/>
               </a:ext>
             </a:extLst>
           </p:cNvPr>
@@ -2645,7 +2645,7 @@
           <p:cNvPr id="5" name="日期占位符 4">
             <a:extLst>
               <a:ext uri="{FF2B5EF4-FFF2-40B4-BE49-F238E27FC236}">
-                <a16:creationId xmlns:a16="http://schemas.microsoft.com/office/drawing/2014/main" id="{2AC185AA-5BD5-228F-BC8E-A26B1F633949}"/>
+                <a16:creationId xmlns:a16="http://schemas.microsoft.com/office/drawing/2014/main" id="{A500A95A-2F58-B7B8-C7D3-9845B16E144C}"/>
               </a:ext>
             </a:extLst>
           </p:cNvPr>
@@ -2661,7 +2661,7 @@
           <a:bodyPr/>
           <a:lstStyle/>
           <a:p>
-            <a:fld id="{8D8A746D-0D78-48AA-A94E-0EFE932A9805}" type="datetimeFigureOut">
+            <a:fld id="{45B15930-4912-4157-B49F-3CE7AF3A2987}" type="datetimeFigureOut">
               <a:rPr lang="zh-CN" altLang="en-US" smtClean="0"/>
               <a:t>2024/3/10</a:t>
             </a:fld>
@@ -2674,7 +2674,7 @@
           <p:cNvPr id="6" name="页脚占位符 5">
             <a:extLst>
               <a:ext uri="{FF2B5EF4-FFF2-40B4-BE49-F238E27FC236}">
-                <a16:creationId xmlns:a16="http://schemas.microsoft.com/office/drawing/2014/main" id="{67193109-8C05-1DF0-9529-6A2C143F3A3D}"/>
+                <a16:creationId xmlns:a16="http://schemas.microsoft.com/office/drawing/2014/main" id="{23F6B3C1-0BE0-9A14-3371-AA4D0614BB2D}"/>
               </a:ext>
             </a:extLst>
           </p:cNvPr>
@@ -2699,7 +2699,7 @@
           <p:cNvPr id="7" name="灯片编号占位符 6">
             <a:extLst>
               <a:ext uri="{FF2B5EF4-FFF2-40B4-BE49-F238E27FC236}">
-                <a16:creationId xmlns:a16="http://schemas.microsoft.com/office/drawing/2014/main" id="{21F74F66-0669-B982-EA80-167969BCD10B}"/>
+                <a16:creationId xmlns:a16="http://schemas.microsoft.com/office/drawing/2014/main" id="{5E301FAB-14EB-E386-26A2-EE2C6F9B1B6A}"/>
               </a:ext>
             </a:extLst>
           </p:cNvPr>
@@ -2715,7 +2715,7 @@
           <a:bodyPr/>
           <a:lstStyle/>
           <a:p>
-            <a:fld id="{5D283F46-35DA-4EFE-B160-29997C3DCFAF}" type="slidenum">
+            <a:fld id="{6EE32C65-7FDC-4C59-B53D-8DB1F317E91E}" type="slidenum">
               <a:rPr lang="zh-CN" altLang="en-US" smtClean="0"/>
               <a:t>‹#›</a:t>
             </a:fld>
@@ -2726,7 +2726,7 @@
     </p:spTree>
     <p:extLst>
       <p:ext uri="{BB962C8B-B14F-4D97-AF65-F5344CB8AC3E}">
-        <p14:creationId xmlns:p14="http://schemas.microsoft.com/office/powerpoint/2010/main" val="3480304237"/>
+        <p14:creationId xmlns:p14="http://schemas.microsoft.com/office/powerpoint/2010/main" val="2461320839"/>
       </p:ext>
     </p:extLst>
   </p:cSld>
@@ -2763,7 +2763,7 @@
           <p:cNvPr id="2" name="标题占位符 1">
             <a:extLst>
               <a:ext uri="{FF2B5EF4-FFF2-40B4-BE49-F238E27FC236}">
-                <a16:creationId xmlns:a16="http://schemas.microsoft.com/office/drawing/2014/main" id="{E8347E61-A2A5-4622-DDE5-E2694C84DB10}"/>
+                <a16:creationId xmlns:a16="http://schemas.microsoft.com/office/drawing/2014/main" id="{4137C0E3-0939-5E4B-CE68-9BD1708BAAB1}"/>
               </a:ext>
             </a:extLst>
           </p:cNvPr>
@@ -2801,7 +2801,7 @@
           <p:cNvPr id="3" name="文本占位符 2">
             <a:extLst>
               <a:ext uri="{FF2B5EF4-FFF2-40B4-BE49-F238E27FC236}">
-                <a16:creationId xmlns:a16="http://schemas.microsoft.com/office/drawing/2014/main" id="{B42A478D-509A-D2B1-D55E-4E3B376F4245}"/>
+                <a16:creationId xmlns:a16="http://schemas.microsoft.com/office/drawing/2014/main" id="{FAB0838E-1DD8-383D-F527-BE3609A54AF6}"/>
               </a:ext>
             </a:extLst>
           </p:cNvPr>
@@ -2868,7 +2868,7 @@
           <p:cNvPr id="4" name="日期占位符 3">
             <a:extLst>
               <a:ext uri="{FF2B5EF4-FFF2-40B4-BE49-F238E27FC236}">
-                <a16:creationId xmlns:a16="http://schemas.microsoft.com/office/drawing/2014/main" id="{ED5724B2-CDE1-2B79-A216-D1D11D528A80}"/>
+                <a16:creationId xmlns:a16="http://schemas.microsoft.com/office/drawing/2014/main" id="{693E7170-01D3-D963-CF64-FA34CCA390A1}"/>
               </a:ext>
             </a:extLst>
           </p:cNvPr>
@@ -2902,7 +2902,7 @@
             </a:lvl1pPr>
           </a:lstStyle>
           <a:p>
-            <a:fld id="{8D8A746D-0D78-48AA-A94E-0EFE932A9805}" type="datetimeFigureOut">
+            <a:fld id="{45B15930-4912-4157-B49F-3CE7AF3A2987}" type="datetimeFigureOut">
               <a:rPr lang="zh-CN" altLang="en-US" smtClean="0"/>
               <a:t>2024/3/10</a:t>
             </a:fld>
@@ -2915,7 +2915,7 @@
           <p:cNvPr id="5" name="页脚占位符 4">
             <a:extLst>
               <a:ext uri="{FF2B5EF4-FFF2-40B4-BE49-F238E27FC236}">
-                <a16:creationId xmlns:a16="http://schemas.microsoft.com/office/drawing/2014/main" id="{69008B38-09F4-A08F-26E2-A9BC6A0C0EB0}"/>
+                <a16:creationId xmlns:a16="http://schemas.microsoft.com/office/drawing/2014/main" id="{9CF2B044-9DFB-437F-6BC7-F9DAE929970A}"/>
               </a:ext>
             </a:extLst>
           </p:cNvPr>
@@ -2958,7 +2958,7 @@
           <p:cNvPr id="6" name="灯片编号占位符 5">
             <a:extLst>
               <a:ext uri="{FF2B5EF4-FFF2-40B4-BE49-F238E27FC236}">
-                <a16:creationId xmlns:a16="http://schemas.microsoft.com/office/drawing/2014/main" id="{86FB5A7A-BEB3-48D7-F718-7B5EE9933447}"/>
+                <a16:creationId xmlns:a16="http://schemas.microsoft.com/office/drawing/2014/main" id="{C104A0D3-A484-2E0F-4AB2-30B9AC834FC4}"/>
               </a:ext>
             </a:extLst>
           </p:cNvPr>
@@ -2992,7 +2992,7 @@
             </a:lvl1pPr>
           </a:lstStyle>
           <a:p>
-            <a:fld id="{5D283F46-35DA-4EFE-B160-29997C3DCFAF}" type="slidenum">
+            <a:fld id="{6EE32C65-7FDC-4C59-B53D-8DB1F317E91E}" type="slidenum">
               <a:rPr lang="zh-CN" altLang="en-US" smtClean="0"/>
               <a:t>‹#›</a:t>
             </a:fld>
@@ -3003,7 +3003,7 @@
     </p:spTree>
     <p:extLst>
       <p:ext uri="{BB962C8B-B14F-4D97-AF65-F5344CB8AC3E}">
-        <p14:creationId xmlns:p14="http://schemas.microsoft.com/office/powerpoint/2010/main" val="2670792779"/>
+        <p14:creationId xmlns:p14="http://schemas.microsoft.com/office/powerpoint/2010/main" val="964489865"/>
       </p:ext>
     </p:extLst>
   </p:cSld>
@@ -3323,7 +3323,7 @@
       </p:grpSpPr>
       <p:pic>
         <p:nvPicPr>
-          <p:cNvPr id="902146" name="Picture 2" descr="880"/>
+          <p:cNvPr id="903170" name="Picture 2" descr="881"/>
           <p:cNvPicPr>
             <a:picLocks noChangeAspect="1" noChangeArrowheads="1"/>
           </p:cNvPicPr>
@@ -3344,8 +3344,8 @@
         </p:blipFill>
         <p:spPr bwMode="auto">
           <a:xfrm>
-            <a:off x="1524001" y="0"/>
-            <a:ext cx="9053513" cy="6789738"/>
+            <a:off x="1524000" y="1"/>
+            <a:ext cx="9124950" cy="6843713"/>
           </a:xfrm>
           <a:prstGeom prst="rect">
             <a:avLst/>
